--- a/presentation/20181010/Traffic light vhdl.pptx
+++ b/presentation/20181010/Traffic light vhdl.pptx
@@ -9,7 +9,9 @@
     <p:sldId id="257" r:id="rId3"/>
     <p:sldId id="259" r:id="rId4"/>
     <p:sldId id="258" r:id="rId5"/>
-    <p:sldId id="260" r:id="rId6"/>
+    <p:sldId id="262" r:id="rId6"/>
+    <p:sldId id="260" r:id="rId7"/>
+    <p:sldId id="261" r:id="rId8"/>
   </p:sldIdLst>
   <p:sldSz cx="9144000" cy="6858000" type="screen4x3"/>
   <p:notesSz cx="6858000" cy="9144000"/>
@@ -108,6 +110,22 @@
       </a:defRPr>
     </a:lvl9pPr>
   </p:defaultTextStyle>
+  <p:extLst>
+    <p:ext uri="{EFAFB233-063F-42B5-8137-9DF3F51BA10A}">
+      <p15:sldGuideLst xmlns:p15="http://schemas.microsoft.com/office/powerpoint/2012/main">
+        <p15:guide id="1" orient="horz" pos="2160">
+          <p15:clr>
+            <a:srgbClr val="A4A3A4"/>
+          </p15:clr>
+        </p15:guide>
+        <p15:guide id="2" pos="2880">
+          <p15:clr>
+            <a:srgbClr val="A4A3A4"/>
+          </p15:clr>
+        </p15:guide>
+      </p15:sldGuideLst>
+    </p:ext>
+  </p:extLst>
 </p:presentation>
 </file>
 
@@ -3119,8 +3137,8 @@
               <a:t>Traffic light </a:t>
             </a:r>
             <a:r>
-              <a:rPr lang="en-US" altLang="ko-KR" dirty="0" err="1" smtClean="0"/>
-              <a:t>vhdl</a:t>
+              <a:rPr lang="en-US" altLang="ko-KR" dirty="0" smtClean="0"/>
+              <a:t>VHDL</a:t>
             </a:r>
             <a:endParaRPr lang="ko-KR" altLang="en-US" dirty="0"/>
           </a:p>
@@ -3145,6 +3163,13 @@
               <a:rPr lang="en-US" altLang="ko-KR" dirty="0" smtClean="0"/>
               <a:t>JAICHANGPARK</a:t>
             </a:r>
+          </a:p>
+          <a:p>
+            <a:r>
+              <a:rPr lang="en-US" altLang="ko-KR" dirty="0" smtClean="0"/>
+              <a:t>2018-10-10</a:t>
+            </a:r>
+            <a:endParaRPr lang="en-US" altLang="ko-KR" dirty="0" smtClean="0"/>
           </a:p>
           <a:p>
             <a:endParaRPr lang="ko-KR" altLang="en-US" dirty="0"/>
@@ -4088,7 +4113,7 @@
         <p:spPr>
           <a:xfrm>
             <a:off x="5235510" y="2708920"/>
-            <a:ext cx="568311" cy="1368152"/>
+            <a:ext cx="632634" cy="1368152"/>
           </a:xfrm>
           <a:prstGeom prst="rect">
             <a:avLst/>
@@ -4705,10 +4730,724 @@
           <a:chExt cx="0" cy="0"/>
         </a:xfrm>
       </p:grpSpPr>
+      <p:pic>
+        <p:nvPicPr>
+          <p:cNvPr id="4" name="그림 3"/>
+          <p:cNvPicPr>
+            <a:picLocks noChangeAspect="1"/>
+          </p:cNvPicPr>
+          <p:nvPr/>
+        </p:nvPicPr>
+        <p:blipFill>
+          <a:blip r:embed="rId2" cstate="print">
+            <a:extLst>
+              <a:ext uri="{28A0092B-C50C-407E-A947-70E740481C1C}">
+                <a14:useLocalDpi xmlns:a14="http://schemas.microsoft.com/office/drawing/2010/main" val="0"/>
+              </a:ext>
+            </a:extLst>
+          </a:blip>
+          <a:stretch>
+            <a:fillRect/>
+          </a:stretch>
+        </p:blipFill>
+        <p:spPr>
+          <a:xfrm rot="10800000">
+            <a:off x="1331640" y="404664"/>
+            <a:ext cx="6816756" cy="5112567"/>
+          </a:xfrm>
+          <a:prstGeom prst="rect">
+            <a:avLst/>
+          </a:prstGeom>
+        </p:spPr>
+      </p:pic>
+      <p:sp>
+        <p:nvSpPr>
+          <p:cNvPr id="5" name="직사각형 4"/>
+          <p:cNvSpPr/>
+          <p:nvPr/>
+        </p:nvSpPr>
+        <p:spPr>
+          <a:xfrm>
+            <a:off x="3203848" y="3068960"/>
+            <a:ext cx="1224136" cy="1296144"/>
+          </a:xfrm>
+          <a:prstGeom prst="rect">
+            <a:avLst/>
+          </a:prstGeom>
+          <a:noFill/>
+          <a:ln>
+            <a:solidFill>
+              <a:srgbClr val="FF0000"/>
+            </a:solidFill>
+          </a:ln>
+        </p:spPr>
+        <p:style>
+          <a:lnRef idx="2">
+            <a:schemeClr val="accent1">
+              <a:shade val="50000"/>
+            </a:schemeClr>
+          </a:lnRef>
+          <a:fillRef idx="1">
+            <a:schemeClr val="accent1"/>
+          </a:fillRef>
+          <a:effectRef idx="0">
+            <a:schemeClr val="accent1"/>
+          </a:effectRef>
+          <a:fontRef idx="minor">
+            <a:schemeClr val="lt1"/>
+          </a:fontRef>
+        </p:style>
+        <p:txBody>
+          <a:bodyPr rtlCol="0" anchor="ctr"/>
+          <a:lstStyle/>
+          <a:p>
+            <a:pPr algn="ctr"/>
+            <a:endParaRPr lang="ko-KR" altLang="en-US"/>
+          </a:p>
+        </p:txBody>
+      </p:sp>
+      <p:cxnSp>
+        <p:nvCxnSpPr>
+          <p:cNvPr id="7" name="직선 연결선 6"/>
+          <p:cNvCxnSpPr>
+            <a:stCxn id="5" idx="2"/>
+          </p:cNvCxnSpPr>
+          <p:nvPr/>
+        </p:nvCxnSpPr>
+        <p:spPr>
+          <a:xfrm flipH="1">
+            <a:off x="3707904" y="4365104"/>
+            <a:ext cx="108012" cy="1584176"/>
+          </a:xfrm>
+          <a:prstGeom prst="line">
+            <a:avLst/>
+          </a:prstGeom>
+          <a:ln>
+            <a:solidFill>
+              <a:srgbClr val="FF0000"/>
+            </a:solidFill>
+          </a:ln>
+        </p:spPr>
+        <p:style>
+          <a:lnRef idx="1">
+            <a:schemeClr val="accent1"/>
+          </a:lnRef>
+          <a:fillRef idx="0">
+            <a:schemeClr val="accent1"/>
+          </a:fillRef>
+          <a:effectRef idx="0">
+            <a:schemeClr val="accent1"/>
+          </a:effectRef>
+          <a:fontRef idx="minor">
+            <a:schemeClr val="tx1"/>
+          </a:fontRef>
+        </p:style>
+      </p:cxnSp>
+      <p:sp>
+        <p:nvSpPr>
+          <p:cNvPr id="8" name="TextBox 7"/>
+          <p:cNvSpPr txBox="1"/>
+          <p:nvPr/>
+        </p:nvSpPr>
+        <p:spPr>
+          <a:xfrm>
+            <a:off x="2987824" y="6093296"/>
+            <a:ext cx="1296144" cy="369332"/>
+          </a:xfrm>
+          <a:prstGeom prst="rect">
+            <a:avLst/>
+          </a:prstGeom>
+          <a:noFill/>
+        </p:spPr>
+        <p:txBody>
+          <a:bodyPr wrap="square" rtlCol="0">
+            <a:spAutoFit/>
+          </a:bodyPr>
+          <a:lstStyle/>
+          <a:p>
+            <a:r>
+              <a:rPr lang="ko-KR" altLang="en-US" dirty="0" smtClean="0"/>
+              <a:t>녹</a:t>
+            </a:r>
+            <a:r>
+              <a:rPr lang="en-US" altLang="ko-KR" dirty="0" smtClean="0"/>
+              <a:t>,</a:t>
+            </a:r>
+            <a:r>
+              <a:rPr lang="ko-KR" altLang="en-US" dirty="0" smtClean="0"/>
+              <a:t>주</a:t>
+            </a:r>
+            <a:r>
+              <a:rPr lang="en-US" altLang="ko-KR" dirty="0" smtClean="0"/>
+              <a:t>,</a:t>
+            </a:r>
+            <a:r>
+              <a:rPr lang="ko-KR" altLang="en-US" dirty="0" smtClean="0"/>
+              <a:t>빨</a:t>
+            </a:r>
+            <a:endParaRPr lang="ko-KR" altLang="en-US" dirty="0"/>
+          </a:p>
+        </p:txBody>
+      </p:sp>
+      <p:sp>
+        <p:nvSpPr>
+          <p:cNvPr id="10" name="직사각형 9"/>
+          <p:cNvSpPr/>
+          <p:nvPr/>
+        </p:nvSpPr>
+        <p:spPr>
+          <a:xfrm>
+            <a:off x="5982156" y="3284984"/>
+            <a:ext cx="1224136" cy="1296144"/>
+          </a:xfrm>
+          <a:prstGeom prst="rect">
+            <a:avLst/>
+          </a:prstGeom>
+          <a:noFill/>
+          <a:ln>
+            <a:solidFill>
+              <a:srgbClr val="FF0000"/>
+            </a:solidFill>
+          </a:ln>
+        </p:spPr>
+        <p:style>
+          <a:lnRef idx="2">
+            <a:schemeClr val="accent1">
+              <a:shade val="50000"/>
+            </a:schemeClr>
+          </a:lnRef>
+          <a:fillRef idx="1">
+            <a:schemeClr val="accent1"/>
+          </a:fillRef>
+          <a:effectRef idx="0">
+            <a:schemeClr val="accent1"/>
+          </a:effectRef>
+          <a:fontRef idx="minor">
+            <a:schemeClr val="lt1"/>
+          </a:fontRef>
+        </p:style>
+        <p:txBody>
+          <a:bodyPr rtlCol="0" anchor="ctr"/>
+          <a:lstStyle/>
+          <a:p>
+            <a:pPr algn="ctr"/>
+            <a:endParaRPr lang="ko-KR" altLang="en-US"/>
+          </a:p>
+        </p:txBody>
+      </p:sp>
+      <p:cxnSp>
+        <p:nvCxnSpPr>
+          <p:cNvPr id="11" name="직선 연결선 10"/>
+          <p:cNvCxnSpPr>
+            <a:stCxn id="10" idx="2"/>
+          </p:cNvCxnSpPr>
+          <p:nvPr/>
+        </p:nvCxnSpPr>
+        <p:spPr>
+          <a:xfrm flipH="1">
+            <a:off x="6486212" y="4581128"/>
+            <a:ext cx="108012" cy="1584176"/>
+          </a:xfrm>
+          <a:prstGeom prst="line">
+            <a:avLst/>
+          </a:prstGeom>
+          <a:ln>
+            <a:solidFill>
+              <a:srgbClr val="FF0000"/>
+            </a:solidFill>
+          </a:ln>
+        </p:spPr>
+        <p:style>
+          <a:lnRef idx="1">
+            <a:schemeClr val="accent1"/>
+          </a:lnRef>
+          <a:fillRef idx="0">
+            <a:schemeClr val="accent1"/>
+          </a:fillRef>
+          <a:effectRef idx="0">
+            <a:schemeClr val="accent1"/>
+          </a:effectRef>
+          <a:fontRef idx="minor">
+            <a:schemeClr val="tx1"/>
+          </a:fontRef>
+        </p:style>
+      </p:cxnSp>
+      <p:sp>
+        <p:nvSpPr>
+          <p:cNvPr id="12" name="TextBox 11"/>
+          <p:cNvSpPr txBox="1"/>
+          <p:nvPr/>
+        </p:nvSpPr>
+        <p:spPr>
+          <a:xfrm>
+            <a:off x="5982156" y="6283084"/>
+            <a:ext cx="1296144" cy="369332"/>
+          </a:xfrm>
+          <a:prstGeom prst="rect">
+            <a:avLst/>
+          </a:prstGeom>
+          <a:noFill/>
+        </p:spPr>
+        <p:txBody>
+          <a:bodyPr wrap="square" rtlCol="0">
+            <a:spAutoFit/>
+          </a:bodyPr>
+          <a:lstStyle/>
+          <a:p>
+            <a:r>
+              <a:rPr lang="ko-KR" altLang="en-US" dirty="0" smtClean="0"/>
+              <a:t>녹</a:t>
+            </a:r>
+            <a:r>
+              <a:rPr lang="en-US" altLang="ko-KR" dirty="0" smtClean="0"/>
+              <a:t>, </a:t>
+            </a:r>
+            <a:r>
+              <a:rPr lang="ko-KR" altLang="en-US" dirty="0" smtClean="0"/>
+              <a:t>주 </a:t>
+            </a:r>
+            <a:r>
+              <a:rPr lang="en-US" altLang="ko-KR" dirty="0" smtClean="0"/>
+              <a:t>, </a:t>
+            </a:r>
+            <a:r>
+              <a:rPr lang="ko-KR" altLang="en-US" dirty="0" smtClean="0"/>
+              <a:t>빨</a:t>
+            </a:r>
+            <a:endParaRPr lang="ko-KR" altLang="en-US" dirty="0"/>
+          </a:p>
+        </p:txBody>
+      </p:sp>
+    </p:spTree>
+    <p:extLst>
+      <p:ext uri="{BB962C8B-B14F-4D97-AF65-F5344CB8AC3E}">
+        <p14:creationId xmlns:p14="http://schemas.microsoft.com/office/powerpoint/2010/main" val="3754664008"/>
+      </p:ext>
+    </p:extLst>
+  </p:cSld>
+  <p:clrMapOvr>
+    <a:masterClrMapping/>
+  </p:clrMapOvr>
+</p:sld>
+</file>
+
+<file path=ppt/slides/slide6.xml><?xml version="1.0" encoding="utf-8"?>
+<p:sld xmlns:a="http://schemas.openxmlformats.org/drawingml/2006/main" xmlns:r="http://schemas.openxmlformats.org/officeDocument/2006/relationships" xmlns:p="http://schemas.openxmlformats.org/presentationml/2006/main">
+  <p:cSld>
+    <p:spTree>
+      <p:nvGrpSpPr>
+        <p:cNvPr id="1" name=""/>
+        <p:cNvGrpSpPr/>
+        <p:nvPr/>
+      </p:nvGrpSpPr>
+      <p:grpSpPr>
+        <a:xfrm>
+          <a:off x="0" y="0"/>
+          <a:ext cx="0" cy="0"/>
+          <a:chOff x="0" y="0"/>
+          <a:chExt cx="0" cy="0"/>
+        </a:xfrm>
+      </p:grpSpPr>
+      <p:pic>
+        <p:nvPicPr>
+          <p:cNvPr id="2" name="그림 1"/>
+          <p:cNvPicPr>
+            <a:picLocks noChangeAspect="1"/>
+          </p:cNvPicPr>
+          <p:nvPr/>
+        </p:nvPicPr>
+        <p:blipFill>
+          <a:blip r:embed="rId2" cstate="print">
+            <a:extLst>
+              <a:ext uri="{28A0092B-C50C-407E-A947-70E740481C1C}">
+                <a14:useLocalDpi xmlns:a14="http://schemas.microsoft.com/office/drawing/2010/main" val="0"/>
+              </a:ext>
+            </a:extLst>
+          </a:blip>
+          <a:stretch>
+            <a:fillRect/>
+          </a:stretch>
+        </p:blipFill>
+        <p:spPr>
+          <a:xfrm rot="10800000">
+            <a:off x="1187625" y="404665"/>
+            <a:ext cx="3168352" cy="2376264"/>
+          </a:xfrm>
+          <a:prstGeom prst="rect">
+            <a:avLst/>
+          </a:prstGeom>
+        </p:spPr>
+      </p:pic>
+      <p:pic>
+        <p:nvPicPr>
+          <p:cNvPr id="3" name="그림 2"/>
+          <p:cNvPicPr>
+            <a:picLocks noChangeAspect="1"/>
+          </p:cNvPicPr>
+          <p:nvPr/>
+        </p:nvPicPr>
+        <p:blipFill>
+          <a:blip r:embed="rId3" cstate="print">
+            <a:extLst>
+              <a:ext uri="{28A0092B-C50C-407E-A947-70E740481C1C}">
+                <a14:useLocalDpi xmlns:a14="http://schemas.microsoft.com/office/drawing/2010/main" val="0"/>
+              </a:ext>
+            </a:extLst>
+          </a:blip>
+          <a:stretch>
+            <a:fillRect/>
+          </a:stretch>
+        </p:blipFill>
+        <p:spPr>
+          <a:xfrm rot="10800000">
+            <a:off x="4644008" y="404664"/>
+            <a:ext cx="3168353" cy="2376265"/>
+          </a:xfrm>
+          <a:prstGeom prst="rect">
+            <a:avLst/>
+          </a:prstGeom>
+        </p:spPr>
+      </p:pic>
+      <p:pic>
+        <p:nvPicPr>
+          <p:cNvPr id="4" name="그림 3"/>
+          <p:cNvPicPr>
+            <a:picLocks noChangeAspect="1"/>
+          </p:cNvPicPr>
+          <p:nvPr/>
+        </p:nvPicPr>
+        <p:blipFill>
+          <a:blip r:embed="rId4" cstate="print">
+            <a:extLst>
+              <a:ext uri="{28A0092B-C50C-407E-A947-70E740481C1C}">
+                <a14:useLocalDpi xmlns:a14="http://schemas.microsoft.com/office/drawing/2010/main" val="0"/>
+              </a:ext>
+            </a:extLst>
+          </a:blip>
+          <a:stretch>
+            <a:fillRect/>
+          </a:stretch>
+        </p:blipFill>
+        <p:spPr>
+          <a:xfrm rot="10800000">
+            <a:off x="1187625" y="3501009"/>
+            <a:ext cx="3168352" cy="2376264"/>
+          </a:xfrm>
+          <a:prstGeom prst="rect">
+            <a:avLst/>
+          </a:prstGeom>
+        </p:spPr>
+      </p:pic>
+      <p:sp>
+        <p:nvSpPr>
+          <p:cNvPr id="5" name="TextBox 4"/>
+          <p:cNvSpPr txBox="1"/>
+          <p:nvPr/>
+        </p:nvSpPr>
+        <p:spPr>
+          <a:xfrm>
+            <a:off x="2195737" y="2924945"/>
+            <a:ext cx="1080120" cy="369332"/>
+          </a:xfrm>
+          <a:prstGeom prst="rect">
+            <a:avLst/>
+          </a:prstGeom>
+          <a:noFill/>
+        </p:spPr>
+        <p:txBody>
+          <a:bodyPr wrap="square" rtlCol="0">
+            <a:spAutoFit/>
+          </a:bodyPr>
+          <a:lstStyle/>
+          <a:p>
+            <a:pPr algn="ctr"/>
+            <a:r>
+              <a:rPr lang="en-US" altLang="ko-KR" dirty="0" smtClean="0"/>
+              <a:t>state0</a:t>
+            </a:r>
+            <a:endParaRPr lang="ko-KR" altLang="en-US" dirty="0"/>
+          </a:p>
+        </p:txBody>
+      </p:sp>
+      <p:sp>
+        <p:nvSpPr>
+          <p:cNvPr id="6" name="TextBox 5"/>
+          <p:cNvSpPr txBox="1"/>
+          <p:nvPr/>
+        </p:nvSpPr>
+        <p:spPr>
+          <a:xfrm>
+            <a:off x="5940153" y="2924945"/>
+            <a:ext cx="1080120" cy="369332"/>
+          </a:xfrm>
+          <a:prstGeom prst="rect">
+            <a:avLst/>
+          </a:prstGeom>
+          <a:noFill/>
+        </p:spPr>
+        <p:txBody>
+          <a:bodyPr wrap="square" rtlCol="0">
+            <a:spAutoFit/>
+          </a:bodyPr>
+          <a:lstStyle/>
+          <a:p>
+            <a:pPr algn="ctr"/>
+            <a:r>
+              <a:rPr lang="en-US" altLang="ko-KR" dirty="0" smtClean="0"/>
+              <a:t>state1</a:t>
+            </a:r>
+            <a:endParaRPr lang="ko-KR" altLang="en-US" dirty="0"/>
+          </a:p>
+        </p:txBody>
+      </p:sp>
+      <p:sp>
+        <p:nvSpPr>
+          <p:cNvPr id="7" name="TextBox 6"/>
+          <p:cNvSpPr txBox="1"/>
+          <p:nvPr/>
+        </p:nvSpPr>
+        <p:spPr>
+          <a:xfrm>
+            <a:off x="2224793" y="5903292"/>
+            <a:ext cx="1080120" cy="369332"/>
+          </a:xfrm>
+          <a:prstGeom prst="rect">
+            <a:avLst/>
+          </a:prstGeom>
+          <a:noFill/>
+        </p:spPr>
+        <p:txBody>
+          <a:bodyPr wrap="square" rtlCol="0">
+            <a:spAutoFit/>
+          </a:bodyPr>
+          <a:lstStyle/>
+          <a:p>
+            <a:pPr algn="ctr"/>
+            <a:r>
+              <a:rPr lang="en-US" altLang="ko-KR" dirty="0" smtClean="0"/>
+              <a:t>state2</a:t>
+            </a:r>
+            <a:endParaRPr lang="ko-KR" altLang="en-US" dirty="0"/>
+          </a:p>
+        </p:txBody>
+      </p:sp>
     </p:spTree>
     <p:extLst>
       <p:ext uri="{BB962C8B-B14F-4D97-AF65-F5344CB8AC3E}">
         <p14:creationId xmlns:p14="http://schemas.microsoft.com/office/powerpoint/2010/main" val="30729694"/>
+      </p:ext>
+    </p:extLst>
+  </p:cSld>
+  <p:clrMapOvr>
+    <a:masterClrMapping/>
+  </p:clrMapOvr>
+</p:sld>
+</file>
+
+<file path=ppt/slides/slide7.xml><?xml version="1.0" encoding="utf-8"?>
+<p:sld xmlns:a="http://schemas.openxmlformats.org/drawingml/2006/main" xmlns:r="http://schemas.openxmlformats.org/officeDocument/2006/relationships" xmlns:p="http://schemas.openxmlformats.org/presentationml/2006/main">
+  <p:cSld>
+    <p:spTree>
+      <p:nvGrpSpPr>
+        <p:cNvPr id="1" name=""/>
+        <p:cNvGrpSpPr/>
+        <p:nvPr/>
+      </p:nvGrpSpPr>
+      <p:grpSpPr>
+        <a:xfrm>
+          <a:off x="0" y="0"/>
+          <a:ext cx="0" cy="0"/>
+          <a:chOff x="0" y="0"/>
+          <a:chExt cx="0" cy="0"/>
+        </a:xfrm>
+      </p:grpSpPr>
+      <p:pic>
+        <p:nvPicPr>
+          <p:cNvPr id="4" name="그림 3"/>
+          <p:cNvPicPr>
+            <a:picLocks noChangeAspect="1"/>
+          </p:cNvPicPr>
+          <p:nvPr/>
+        </p:nvPicPr>
+        <p:blipFill>
+          <a:blip r:embed="rId2" cstate="print">
+            <a:extLst>
+              <a:ext uri="{28A0092B-C50C-407E-A947-70E740481C1C}">
+                <a14:useLocalDpi xmlns:a14="http://schemas.microsoft.com/office/drawing/2010/main" val="0"/>
+              </a:ext>
+            </a:extLst>
+          </a:blip>
+          <a:stretch>
+            <a:fillRect/>
+          </a:stretch>
+        </p:blipFill>
+        <p:spPr>
+          <a:xfrm rot="10800000">
+            <a:off x="611560" y="476672"/>
+            <a:ext cx="3573016" cy="2679762"/>
+          </a:xfrm>
+          <a:prstGeom prst="rect">
+            <a:avLst/>
+          </a:prstGeom>
+        </p:spPr>
+      </p:pic>
+      <p:pic>
+        <p:nvPicPr>
+          <p:cNvPr id="5" name="그림 4"/>
+          <p:cNvPicPr>
+            <a:picLocks noChangeAspect="1"/>
+          </p:cNvPicPr>
+          <p:nvPr/>
+        </p:nvPicPr>
+        <p:blipFill>
+          <a:blip r:embed="rId3" cstate="print">
+            <a:extLst>
+              <a:ext uri="{28A0092B-C50C-407E-A947-70E740481C1C}">
+                <a14:useLocalDpi xmlns:a14="http://schemas.microsoft.com/office/drawing/2010/main" val="0"/>
+              </a:ext>
+            </a:extLst>
+          </a:blip>
+          <a:stretch>
+            <a:fillRect/>
+          </a:stretch>
+        </p:blipFill>
+        <p:spPr>
+          <a:xfrm rot="10800000">
+            <a:off x="4860032" y="511199"/>
+            <a:ext cx="3600400" cy="2700300"/>
+          </a:xfrm>
+          <a:prstGeom prst="rect">
+            <a:avLst/>
+          </a:prstGeom>
+        </p:spPr>
+      </p:pic>
+      <p:pic>
+        <p:nvPicPr>
+          <p:cNvPr id="6" name="그림 5"/>
+          <p:cNvPicPr>
+            <a:picLocks noChangeAspect="1"/>
+          </p:cNvPicPr>
+          <p:nvPr/>
+        </p:nvPicPr>
+        <p:blipFill>
+          <a:blip r:embed="rId4" cstate="print">
+            <a:extLst>
+              <a:ext uri="{28A0092B-C50C-407E-A947-70E740481C1C}">
+                <a14:useLocalDpi xmlns:a14="http://schemas.microsoft.com/office/drawing/2010/main" val="0"/>
+              </a:ext>
+            </a:extLst>
+          </a:blip>
+          <a:stretch>
+            <a:fillRect/>
+          </a:stretch>
+        </p:blipFill>
+        <p:spPr>
+          <a:xfrm rot="10800000">
+            <a:off x="616308" y="3789040"/>
+            <a:ext cx="3573017" cy="2679763"/>
+          </a:xfrm>
+          <a:prstGeom prst="rect">
+            <a:avLst/>
+          </a:prstGeom>
+        </p:spPr>
+      </p:pic>
+      <p:sp>
+        <p:nvSpPr>
+          <p:cNvPr id="7" name="TextBox 6"/>
+          <p:cNvSpPr txBox="1"/>
+          <p:nvPr/>
+        </p:nvSpPr>
+        <p:spPr>
+          <a:xfrm>
+            <a:off x="1979712" y="3211499"/>
+            <a:ext cx="1080120" cy="369332"/>
+          </a:xfrm>
+          <a:prstGeom prst="rect">
+            <a:avLst/>
+          </a:prstGeom>
+          <a:noFill/>
+        </p:spPr>
+        <p:txBody>
+          <a:bodyPr wrap="square" rtlCol="0">
+            <a:spAutoFit/>
+          </a:bodyPr>
+          <a:lstStyle/>
+          <a:p>
+            <a:pPr algn="ctr"/>
+            <a:r>
+              <a:rPr lang="en-US" altLang="ko-KR" dirty="0" smtClean="0"/>
+              <a:t>state3</a:t>
+            </a:r>
+            <a:endParaRPr lang="ko-KR" altLang="en-US" dirty="0"/>
+          </a:p>
+        </p:txBody>
+      </p:sp>
+      <p:sp>
+        <p:nvSpPr>
+          <p:cNvPr id="8" name="TextBox 7"/>
+          <p:cNvSpPr txBox="1"/>
+          <p:nvPr/>
+        </p:nvSpPr>
+        <p:spPr>
+          <a:xfrm>
+            <a:off x="5724128" y="3211499"/>
+            <a:ext cx="1080120" cy="369332"/>
+          </a:xfrm>
+          <a:prstGeom prst="rect">
+            <a:avLst/>
+          </a:prstGeom>
+          <a:noFill/>
+        </p:spPr>
+        <p:txBody>
+          <a:bodyPr wrap="square" rtlCol="0">
+            <a:spAutoFit/>
+          </a:bodyPr>
+          <a:lstStyle/>
+          <a:p>
+            <a:pPr algn="ctr"/>
+            <a:r>
+              <a:rPr lang="en-US" altLang="ko-KR" dirty="0" smtClean="0"/>
+              <a:t>state4</a:t>
+            </a:r>
+            <a:endParaRPr lang="ko-KR" altLang="en-US" dirty="0"/>
+          </a:p>
+        </p:txBody>
+      </p:sp>
+      <p:sp>
+        <p:nvSpPr>
+          <p:cNvPr id="9" name="TextBox 8"/>
+          <p:cNvSpPr txBox="1"/>
+          <p:nvPr/>
+        </p:nvSpPr>
+        <p:spPr>
+          <a:xfrm>
+            <a:off x="1907704" y="6468803"/>
+            <a:ext cx="1080120" cy="369332"/>
+          </a:xfrm>
+          <a:prstGeom prst="rect">
+            <a:avLst/>
+          </a:prstGeom>
+          <a:noFill/>
+        </p:spPr>
+        <p:txBody>
+          <a:bodyPr wrap="square" rtlCol="0">
+            <a:spAutoFit/>
+          </a:bodyPr>
+          <a:lstStyle/>
+          <a:p>
+            <a:pPr algn="ctr"/>
+            <a:r>
+              <a:rPr lang="en-US" altLang="ko-KR" dirty="0" smtClean="0"/>
+              <a:t>state5</a:t>
+            </a:r>
+            <a:endParaRPr lang="ko-KR" altLang="en-US" dirty="0"/>
+          </a:p>
+        </p:txBody>
+      </p:sp>
+    </p:spTree>
+    <p:extLst>
+      <p:ext uri="{BB962C8B-B14F-4D97-AF65-F5344CB8AC3E}">
+        <p14:creationId xmlns:p14="http://schemas.microsoft.com/office/powerpoint/2010/main" val="2484574790"/>
       </p:ext>
     </p:extLst>
   </p:cSld>
